--- a/Day3/Day3_SparkSQL.pptx
+++ b/Day3/Day3_SparkSQL.pptx
@@ -5,10 +5,10 @@
     <p:sldMasterId id="2147483684" r:id="rId5"/>
   </p:sldMasterIdLst>
   <p:notesMasterIdLst>
-    <p:notesMasterId r:id="rId28"/>
+    <p:notesMasterId r:id="rId27"/>
   </p:notesMasterIdLst>
   <p:handoutMasterIdLst>
-    <p:handoutMasterId r:id="rId29"/>
+    <p:handoutMasterId r:id="rId28"/>
   </p:handoutMasterIdLst>
   <p:sldIdLst>
     <p:sldId id="257" r:id="rId6"/>
@@ -31,8 +31,7 @@
     <p:sldId id="393" r:id="rId23"/>
     <p:sldId id="394" r:id="rId24"/>
     <p:sldId id="398" r:id="rId25"/>
-    <p:sldId id="399" r:id="rId26"/>
-    <p:sldId id="397" r:id="rId27"/>
+    <p:sldId id="397" r:id="rId26"/>
   </p:sldIdLst>
   <p:sldSz cx="9144000" cy="6858000" type="screen4x3"/>
   <p:notesSz cx="7053263" cy="9356725"/>
@@ -2019,72 +2018,6 @@
 </file>
 
 <file path=ppt/notesSlides/notesSlide21.xml><?xml version="1.0" encoding="utf-8"?>
-<p:notes xmlns:a="http://schemas.openxmlformats.org/drawingml/2006/main" xmlns:r="http://schemas.openxmlformats.org/officeDocument/2006/relationships" xmlns:p="http://schemas.openxmlformats.org/presentationml/2006/main">
-  <p:cSld>
-    <p:spTree>
-      <p:nvGrpSpPr>
-        <p:cNvPr id="1" name=""/>
-        <p:cNvGrpSpPr/>
-        <p:nvPr/>
-      </p:nvGrpSpPr>
-      <p:grpSpPr>
-        <a:xfrm>
-          <a:off x="0" y="0"/>
-          <a:ext cx="0" cy="0"/>
-          <a:chOff x="0" y="0"/>
-          <a:chExt cx="0" cy="0"/>
-        </a:xfrm>
-      </p:grpSpPr>
-      <p:sp>
-        <p:nvSpPr>
-          <p:cNvPr id="2" name="Slide Image Placeholder 1"/>
-          <p:cNvSpPr>
-            <a:spLocks noGrp="1" noRot="1" noChangeAspect="1"/>
-          </p:cNvSpPr>
-          <p:nvPr>
-            <p:ph type="sldImg"/>
-          </p:nvPr>
-        </p:nvSpPr>
-        <p:spPr>
-          <a:xfrm>
-            <a:off x="1189038" y="701675"/>
-            <a:ext cx="4676775" cy="3508375"/>
-          </a:xfrm>
-        </p:spPr>
-      </p:sp>
-      <p:sp>
-        <p:nvSpPr>
-          <p:cNvPr id="3" name="Notes Placeholder 2"/>
-          <p:cNvSpPr>
-            <a:spLocks noGrp="1"/>
-          </p:cNvSpPr>
-          <p:nvPr>
-            <p:ph type="body" idx="1"/>
-          </p:nvPr>
-        </p:nvSpPr>
-        <p:spPr/>
-        <p:txBody>
-          <a:bodyPr/>
-          <a:lstStyle/>
-          <a:p>
-            <a:endParaRPr lang="en-US" dirty="0"/>
-          </a:p>
-        </p:txBody>
-      </p:sp>
-    </p:spTree>
-    <p:extLst>
-      <p:ext uri="{BB962C8B-B14F-4D97-AF65-F5344CB8AC3E}">
-        <p14:creationId xmlns:p14="http://schemas.microsoft.com/office/powerpoint/2010/main" val="532145024"/>
-      </p:ext>
-    </p:extLst>
-  </p:cSld>
-  <p:clrMapOvr>
-    <a:masterClrMapping/>
-  </p:clrMapOvr>
-</p:notes>
-</file>
-
-<file path=ppt/notesSlides/notesSlide22.xml><?xml version="1.0" encoding="utf-8"?>
 <p:notes xmlns:a="http://schemas.openxmlformats.org/drawingml/2006/main" xmlns:r="http://schemas.openxmlformats.org/officeDocument/2006/relationships" xmlns:p="http://schemas.openxmlformats.org/presentationml/2006/main">
   <p:cSld>
     <p:spTree>
@@ -7037,7 +6970,7 @@
                 </a:solidFill>
                 <a:latin typeface="Calibri" pitchFamily="34" charset="0"/>
               </a:rPr>
-              <a:t>4-</a:t>
+              <a:t>3-</a:t>
             </a:r>
             <a:fld id="{B722F7F8-9603-472A-A081-A1C5DB32BB89}" type="slidenum">
               <a:rPr lang="en-US" sz="1100" b="0" smtClean="0">
@@ -7665,7 +7598,7 @@
             </a:r>
             <a:r>
               <a:rPr lang="en-US" dirty="0"/>
-              <a:t>4</a:t>
+              <a:t>3</a:t>
             </a:r>
             <a:r>
               <a:rPr lang="en-US" sz="3600" dirty="0">
@@ -9889,242 +9822,6 @@
 </file>
 
 <file path=ppt/slides/slide21.xml><?xml version="1.0" encoding="utf-8"?>
-<p:sld xmlns:a="http://schemas.openxmlformats.org/drawingml/2006/main" xmlns:r="http://schemas.openxmlformats.org/officeDocument/2006/relationships" xmlns:p="http://schemas.openxmlformats.org/presentationml/2006/main">
-  <p:cSld>
-    <p:spTree>
-      <p:nvGrpSpPr>
-        <p:cNvPr id="1" name=""/>
-        <p:cNvGrpSpPr/>
-        <p:nvPr/>
-      </p:nvGrpSpPr>
-      <p:grpSpPr>
-        <a:xfrm>
-          <a:off x="0" y="0"/>
-          <a:ext cx="0" cy="0"/>
-          <a:chOff x="0" y="0"/>
-          <a:chExt cx="0" cy="0"/>
-        </a:xfrm>
-      </p:grpSpPr>
-      <p:sp>
-        <p:nvSpPr>
-          <p:cNvPr id="2" name="Content Placeholder 1"/>
-          <p:cNvSpPr>
-            <a:spLocks noGrp="1"/>
-          </p:cNvSpPr>
-          <p:nvPr>
-            <p:ph idx="1"/>
-          </p:nvPr>
-        </p:nvSpPr>
-        <p:spPr>
-          <a:xfrm>
-            <a:off x="635726" y="1123530"/>
-            <a:ext cx="8093937" cy="5229144"/>
-          </a:xfrm>
-        </p:spPr>
-        <p:txBody>
-          <a:bodyPr/>
-          <a:lstStyle/>
-          <a:p>
-            <a:r>
-              <a:rPr lang="en-US" dirty="0"/>
-              <a:t>You can also use JDBC and </a:t>
-            </a:r>
-            <a:r>
-              <a:rPr lang="en-US" dirty="0">
-                <a:latin typeface="Courier New" panose="02070309020205020404" pitchFamily="49" charset="0"/>
-                <a:cs typeface="Courier New" panose="02070309020205020404" pitchFamily="49" charset="0"/>
-              </a:rPr>
-              <a:t>format</a:t>
-            </a:r>
-            <a:r>
-              <a:rPr lang="en-US" dirty="0"/>
-              <a:t> to load in custom formats</a:t>
-            </a:r>
-          </a:p>
-          <a:p>
-            <a:pPr lvl="1"/>
-            <a:r>
-              <a:rPr lang="en-US" dirty="0"/>
-              <a:t>AVRO</a:t>
-            </a:r>
-          </a:p>
-          <a:p>
-            <a:pPr lvl="1"/>
-            <a:r>
-              <a:rPr lang="en-US" dirty="0"/>
-              <a:t>Cassandra</a:t>
-            </a:r>
-          </a:p>
-          <a:p>
-            <a:pPr lvl="1"/>
-            <a:r>
-              <a:rPr lang="en-US" dirty="0"/>
-              <a:t>Mongo</a:t>
-            </a:r>
-          </a:p>
-          <a:p>
-            <a:pPr lvl="1"/>
-            <a:r>
-              <a:rPr lang="en-US" dirty="0"/>
-              <a:t>HBase</a:t>
-            </a:r>
-          </a:p>
-          <a:p>
-            <a:r>
-              <a:rPr lang="en-US" dirty="0"/>
-              <a:t>The </a:t>
-            </a:r>
-            <a:r>
-              <a:rPr lang="en-US" dirty="0">
-                <a:latin typeface="Courier New" panose="02070309020205020404" pitchFamily="49" charset="0"/>
-                <a:cs typeface="Courier New" panose="02070309020205020404" pitchFamily="49" charset="0"/>
-              </a:rPr>
-              <a:t>os.environ</a:t>
-            </a:r>
-            <a:r>
-              <a:rPr lang="en-US" dirty="0">
-                <a:latin typeface="+mn-lt"/>
-                <a:cs typeface="Courier New" panose="02070309020205020404" pitchFamily="49" charset="0"/>
-              </a:rPr>
-              <a:t> </a:t>
-            </a:r>
-            <a:r>
-              <a:rPr lang="en-US" dirty="0"/>
-              <a:t>setting is used to add the custom jars necessary to support these features</a:t>
-            </a:r>
-          </a:p>
-          <a:p>
-            <a:r>
-              <a:rPr lang="en-US" dirty="0"/>
-              <a:t>Here is an example of starting a Spark session which could read and write data in a Cassandra cluster</a:t>
-            </a:r>
-            <a:br>
-              <a:rPr lang="en-US" sz="1600" dirty="0"/>
-            </a:br>
-            <a:r>
-              <a:rPr lang="en-US" sz="1000" dirty="0"/>
-              <a:t> </a:t>
-            </a:r>
-            <a:br>
-              <a:rPr lang="en-US" sz="1600" dirty="0"/>
-            </a:br>
-            <a:r>
-              <a:rPr lang="en-US" sz="1600" dirty="0">
-                <a:latin typeface="Courier New" panose="02070309020205020404" pitchFamily="49" charset="0"/>
-                <a:cs typeface="Courier New" panose="02070309020205020404" pitchFamily="49" charset="0"/>
-              </a:rPr>
-              <a:t>import os</a:t>
-            </a:r>
-            <a:br>
-              <a:rPr lang="en-US" sz="1600" dirty="0">
-                <a:latin typeface="Courier New" panose="02070309020205020404" pitchFamily="49" charset="0"/>
-                <a:cs typeface="Courier New" panose="02070309020205020404" pitchFamily="49" charset="0"/>
-              </a:rPr>
-            </a:br>
-            <a:r>
-              <a:rPr lang="en-US" sz="1600" dirty="0">
-                <a:latin typeface="Courier New" panose="02070309020205020404" pitchFamily="49" charset="0"/>
-                <a:cs typeface="Courier New" panose="02070309020205020404" pitchFamily="49" charset="0"/>
-              </a:rPr>
-              <a:t>os.environ['PYSPARK_SUBMIT_ARGS'] = '--packages com.datastax.spark:spark-cassandra-connector_2.11:2.3.0 --conf spark.cassandra.connection.host=192.168.0.123,192.168.0.124 pyspark-shell'</a:t>
-            </a:r>
-            <a:br>
-              <a:rPr lang="en-US" sz="1600" dirty="0">
-                <a:latin typeface="Courier New" panose="02070309020205020404" pitchFamily="49" charset="0"/>
-                <a:cs typeface="Courier New" panose="02070309020205020404" pitchFamily="49" charset="0"/>
-              </a:rPr>
-            </a:br>
-            <a:r>
-              <a:rPr lang="en-US" sz="1600" dirty="0">
-                <a:latin typeface="Courier New" panose="02070309020205020404" pitchFamily="49" charset="0"/>
-                <a:cs typeface="Courier New" panose="02070309020205020404" pitchFamily="49" charset="0"/>
-              </a:rPr>
-              <a:t>table_df = sqlContext.read \</a:t>
-            </a:r>
-            <a:br>
-              <a:rPr lang="en-US" sz="1600" dirty="0">
-                <a:latin typeface="Courier New" panose="02070309020205020404" pitchFamily="49" charset="0"/>
-                <a:cs typeface="Courier New" panose="02070309020205020404" pitchFamily="49" charset="0"/>
-              </a:rPr>
-            </a:br>
-            <a:r>
-              <a:rPr lang="en-US" sz="1600" dirty="0">
-                <a:latin typeface="Courier New" panose="02070309020205020404" pitchFamily="49" charset="0"/>
-                <a:cs typeface="Courier New" panose="02070309020205020404" pitchFamily="49" charset="0"/>
-              </a:rPr>
-              <a:t>.format("org.apache.spark.sql.cassandra") \</a:t>
-            </a:r>
-            <a:br>
-              <a:rPr lang="en-US" sz="1600" dirty="0">
-                <a:latin typeface="Courier New" panose="02070309020205020404" pitchFamily="49" charset="0"/>
-                <a:cs typeface="Courier New" panose="02070309020205020404" pitchFamily="49" charset="0"/>
-              </a:rPr>
-            </a:br>
-            <a:r>
-              <a:rPr lang="en-US" sz="1600" dirty="0">
-                <a:latin typeface="Courier New" panose="02070309020205020404" pitchFamily="49" charset="0"/>
-                <a:cs typeface="Courier New" panose="02070309020205020404" pitchFamily="49" charset="0"/>
-              </a:rPr>
-              <a:t>.options(table=table_name, keyspace=keys_space_name) \</a:t>
-            </a:r>
-            <a:br>
-              <a:rPr lang="en-US" sz="1600" dirty="0">
-                <a:latin typeface="Courier New" panose="02070309020205020404" pitchFamily="49" charset="0"/>
-                <a:cs typeface="Courier New" panose="02070309020205020404" pitchFamily="49" charset="0"/>
-              </a:rPr>
-            </a:br>
-            <a:r>
-              <a:rPr lang="en-US" sz="1600" dirty="0">
-                <a:latin typeface="Courier New" panose="02070309020205020404" pitchFamily="49" charset="0"/>
-                <a:cs typeface="Courier New" panose="02070309020205020404" pitchFamily="49" charset="0"/>
-              </a:rPr>
-              <a:t>.load()</a:t>
-            </a:r>
-          </a:p>
-          <a:p>
-            <a:endParaRPr lang="en-US" sz="1600" dirty="0">
-              <a:latin typeface="Courier New" panose="02070309020205020404" pitchFamily="49" charset="0"/>
-              <a:cs typeface="Courier New" panose="02070309020205020404" pitchFamily="49" charset="0"/>
-            </a:endParaRPr>
-          </a:p>
-        </p:txBody>
-      </p:sp>
-      <p:sp>
-        <p:nvSpPr>
-          <p:cNvPr id="3" name="Title 2"/>
-          <p:cNvSpPr>
-            <a:spLocks noGrp="1"/>
-          </p:cNvSpPr>
-          <p:nvPr>
-            <p:ph type="title"/>
-          </p:nvPr>
-        </p:nvSpPr>
-        <p:spPr/>
-        <p:txBody>
-          <a:bodyPr/>
-          <a:lstStyle/>
-          <a:p>
-            <a:r>
-              <a:rPr lang="en-US" dirty="0"/>
-              <a:t>Closing Thoughts (continued)</a:t>
-            </a:r>
-          </a:p>
-        </p:txBody>
-      </p:sp>
-    </p:spTree>
-    <p:extLst>
-      <p:ext uri="{BB962C8B-B14F-4D97-AF65-F5344CB8AC3E}">
-        <p14:creationId xmlns:p14="http://schemas.microsoft.com/office/powerpoint/2010/main" val="3688005988"/>
-      </p:ext>
-    </p:extLst>
-  </p:cSld>
-  <p:clrMapOvr>
-    <a:masterClrMapping/>
-  </p:clrMapOvr>
-</p:sld>
-</file>
-
-<file path=ppt/slides/slide22.xml><?xml version="1.0" encoding="utf-8"?>
 <p:sld xmlns:a="http://schemas.openxmlformats.org/drawingml/2006/main" xmlns:r="http://schemas.openxmlformats.org/officeDocument/2006/relationships" xmlns:p="http://schemas.openxmlformats.org/presentationml/2006/main">
   <p:cSld>
     <p:spTree>
@@ -12510,6 +12207,75 @@
 </file>
 
 <file path=customXml/item1.xml><?xml version="1.0" encoding="utf-8"?>
+<?mso-contentType ?>
+<spe:Receivers xmlns:spe="http://schemas.microsoft.com/sharepoint/events">
+  <Receiver>
+    <Name>Document ID Generator</Name>
+    <Synchronization>Synchronous</Synchronization>
+    <Type>10001</Type>
+    <SequenceNumber>1000</SequenceNumber>
+    <Assembly>Microsoft.Office.DocumentManagement, Version=14.0.0.0, Culture=neutral, PublicKeyToken=71e9bce111e9429c</Assembly>
+    <Class>Microsoft.Office.DocumentManagement.Internal.DocIdHandler</Class>
+    <Data/>
+    <Filter/>
+  </Receiver>
+  <Receiver>
+    <Name>Document ID Generator</Name>
+    <Synchronization>Synchronous</Synchronization>
+    <Type>10002</Type>
+    <SequenceNumber>1001</SequenceNumber>
+    <Assembly>Microsoft.Office.DocumentManagement, Version=14.0.0.0, Culture=neutral, PublicKeyToken=71e9bce111e9429c</Assembly>
+    <Class>Microsoft.Office.DocumentManagement.Internal.DocIdHandler</Class>
+    <Data/>
+    <Filter/>
+  </Receiver>
+  <Receiver>
+    <Name>Document ID Generator</Name>
+    <Synchronization>Synchronous</Synchronization>
+    <Type>10004</Type>
+    <SequenceNumber>1002</SequenceNumber>
+    <Assembly>Microsoft.Office.DocumentManagement, Version=14.0.0.0, Culture=neutral, PublicKeyToken=71e9bce111e9429c</Assembly>
+    <Class>Microsoft.Office.DocumentManagement.Internal.DocIdHandler</Class>
+    <Data/>
+    <Filter/>
+  </Receiver>
+  <Receiver>
+    <Name>Document ID Generator</Name>
+    <Synchronization>Synchronous</Synchronization>
+    <Type>10006</Type>
+    <SequenceNumber>1003</SequenceNumber>
+    <Assembly>Microsoft.Office.DocumentManagement, Version=14.0.0.0, Culture=neutral, PublicKeyToken=71e9bce111e9429c</Assembly>
+    <Class>Microsoft.Office.DocumentManagement.Internal.DocIdHandler</Class>
+    <Data/>
+    <Filter/>
+  </Receiver>
+</spe:Receivers>
+</file>
+
+<file path=customXml/item2.xml><?xml version="1.0" encoding="utf-8"?>
+<?mso-contentType ?>
+<FormTemplates xmlns="http://schemas.microsoft.com/sharepoint/v3/contenttype/forms">
+  <Display>DocumentLibraryForm</Display>
+  <Edit>DocumentLibraryForm</Edit>
+  <New>DocumentLibraryForm</New>
+</FormTemplates>
+</file>
+
+<file path=customXml/item3.xml><?xml version="1.0" encoding="utf-8"?>
+<p:properties xmlns:p="http://schemas.microsoft.com/office/2006/metadata/properties" xmlns:xsi="http://www.w3.org/2001/XMLSchema-instance" xmlns:pc="http://schemas.microsoft.com/office/infopath/2007/PartnerControls">
+  <documentManagement>
+    <_dlc_DocId xmlns="037063e9-a85e-4c78-8627-f1a9315663e5">EVEA5JW6U4JV-6-9770</_dlc_DocId>
+    <_dlc_DocIdUrl xmlns="037063e9-a85e-4c78-8627-f1a9315663e5">
+      <Url>https://portal.roitraining.com/Courses/_layouts/DocIdRedir.aspx?ID=EVEA5JW6U4JV-6-9770</Url>
+      <Description>EVEA5JW6U4JV-6-9770</Description>
+    </_dlc_DocIdUrl>
+    <Date_x0020_last_x0020_used xmlns="027ed24f-5970-4294-be5c-0919c5aaa214" xsi:nil="true"/>
+    <Customization_x0020_Information xmlns="027ed24f-5970-4294-be5c-0919c5aaa214" xsi:nil="true"/>
+  </documentManagement>
+</p:properties>
+</file>
+
+<file path=customXml/item4.xml><?xml version="1.0" encoding="utf-8"?>
 <ct:contentTypeSchema xmlns:ct="http://schemas.microsoft.com/office/2006/metadata/contentType" xmlns:ma="http://schemas.microsoft.com/office/2006/metadata/properties/metaAttributes" ct:_="" ma:_="" ma:contentTypeName="Document" ma:contentTypeID="0x0101006B08A054FD435346B287BB258D6D8C2A" ma:contentTypeVersion="2" ma:contentTypeDescription="Create a new document." ma:contentTypeScope="" ma:versionID="6146b90b4382322d8952632f355192b7">
   <xsd:schema xmlns:xsd="http://www.w3.org/2001/XMLSchema" xmlns:xs="http://www.w3.org/2001/XMLSchema" xmlns:p="http://schemas.microsoft.com/office/2006/metadata/properties" xmlns:ns2="027ed24f-5970-4294-be5c-0919c5aaa214" xmlns:ns3="037063e9-a85e-4c78-8627-f1a9315663e5" targetNamespace="http://schemas.microsoft.com/office/2006/metadata/properties" ma:root="true" ma:fieldsID="b5d91f802dafd2e22aeea528efbe2d3e" ns2:_="" ns3:_="">
     <xsd:import namespace="027ed24f-5970-4294-be5c-0919c5aaa214"/>
@@ -12675,76 +12441,40 @@
 </ct:contentTypeSchema>
 </file>
 
-<file path=customXml/item2.xml><?xml version="1.0" encoding="utf-8"?>
-<p:properties xmlns:p="http://schemas.microsoft.com/office/2006/metadata/properties" xmlns:xsi="http://www.w3.org/2001/XMLSchema-instance" xmlns:pc="http://schemas.microsoft.com/office/infopath/2007/PartnerControls">
-  <documentManagement>
-    <_dlc_DocId xmlns="037063e9-a85e-4c78-8627-f1a9315663e5">EVEA5JW6U4JV-6-9770</_dlc_DocId>
-    <_dlc_DocIdUrl xmlns="037063e9-a85e-4c78-8627-f1a9315663e5">
-      <Url>https://portal.roitraining.com/Courses/_layouts/DocIdRedir.aspx?ID=EVEA5JW6U4JV-6-9770</Url>
-      <Description>EVEA5JW6U4JV-6-9770</Description>
-    </_dlc_DocIdUrl>
-    <Date_x0020_last_x0020_used xmlns="027ed24f-5970-4294-be5c-0919c5aaa214" xsi:nil="true"/>
-    <Customization_x0020_Information xmlns="027ed24f-5970-4294-be5c-0919c5aaa214" xsi:nil="true"/>
-  </documentManagement>
-</p:properties>
+<file path=customXml/itemProps1.xml><?xml version="1.0" encoding="utf-8"?>
+<ds:datastoreItem xmlns:ds="http://schemas.openxmlformats.org/officeDocument/2006/customXml" ds:itemID="{B9043294-8302-4947-B882-02D6486F929C}">
+  <ds:schemaRefs>
+    <ds:schemaRef ds:uri="http://schemas.microsoft.com/sharepoint/events"/>
+  </ds:schemaRefs>
+</ds:datastoreItem>
 </file>
 
-<file path=customXml/item3.xml><?xml version="1.0" encoding="utf-8"?>
-<?mso-contentType ?>
-<FormTemplates xmlns="http://schemas.microsoft.com/sharepoint/v3/contenttype/forms">
-  <Display>DocumentLibraryForm</Display>
-  <Edit>DocumentLibraryForm</Edit>
-  <New>DocumentLibraryForm</New>
-</FormTemplates>
+<file path=customXml/itemProps2.xml><?xml version="1.0" encoding="utf-8"?>
+<ds:datastoreItem xmlns:ds="http://schemas.openxmlformats.org/officeDocument/2006/customXml" ds:itemID="{2DA015F3-603C-4688-A5F3-81D587DAB8C9}">
+  <ds:schemaRefs>
+    <ds:schemaRef ds:uri="http://schemas.microsoft.com/sharepoint/v3/contenttype/forms"/>
+  </ds:schemaRefs>
+</ds:datastoreItem>
 </file>
 
-<file path=customXml/item4.xml><?xml version="1.0" encoding="utf-8"?>
-<?mso-contentType ?>
-<spe:Receivers xmlns:spe="http://schemas.microsoft.com/sharepoint/events">
-  <Receiver>
-    <Name>Document ID Generator</Name>
-    <Synchronization>Synchronous</Synchronization>
-    <Type>10001</Type>
-    <SequenceNumber>1000</SequenceNumber>
-    <Assembly>Microsoft.Office.DocumentManagement, Version=14.0.0.0, Culture=neutral, PublicKeyToken=71e9bce111e9429c</Assembly>
-    <Class>Microsoft.Office.DocumentManagement.Internal.DocIdHandler</Class>
-    <Data/>
-    <Filter/>
-  </Receiver>
-  <Receiver>
-    <Name>Document ID Generator</Name>
-    <Synchronization>Synchronous</Synchronization>
-    <Type>10002</Type>
-    <SequenceNumber>1001</SequenceNumber>
-    <Assembly>Microsoft.Office.DocumentManagement, Version=14.0.0.0, Culture=neutral, PublicKeyToken=71e9bce111e9429c</Assembly>
-    <Class>Microsoft.Office.DocumentManagement.Internal.DocIdHandler</Class>
-    <Data/>
-    <Filter/>
-  </Receiver>
-  <Receiver>
-    <Name>Document ID Generator</Name>
-    <Synchronization>Synchronous</Synchronization>
-    <Type>10004</Type>
-    <SequenceNumber>1002</SequenceNumber>
-    <Assembly>Microsoft.Office.DocumentManagement, Version=14.0.0.0, Culture=neutral, PublicKeyToken=71e9bce111e9429c</Assembly>
-    <Class>Microsoft.Office.DocumentManagement.Internal.DocIdHandler</Class>
-    <Data/>
-    <Filter/>
-  </Receiver>
-  <Receiver>
-    <Name>Document ID Generator</Name>
-    <Synchronization>Synchronous</Synchronization>
-    <Type>10006</Type>
-    <SequenceNumber>1003</SequenceNumber>
-    <Assembly>Microsoft.Office.DocumentManagement, Version=14.0.0.0, Culture=neutral, PublicKeyToken=71e9bce111e9429c</Assembly>
-    <Class>Microsoft.Office.DocumentManagement.Internal.DocIdHandler</Class>
-    <Data/>
-    <Filter/>
-  </Receiver>
-</spe:Receivers>
+<file path=customXml/itemProps3.xml><?xml version="1.0" encoding="utf-8"?>
+<ds:datastoreItem xmlns:ds="http://schemas.openxmlformats.org/officeDocument/2006/customXml" ds:itemID="{F47B9207-CE5C-49AD-B414-15CBFA246D65}">
+  <ds:schemaRefs>
+    <ds:schemaRef ds:uri="http://schemas.microsoft.com/office/2006/metadata/properties"/>
+    <ds:schemaRef ds:uri="http://schemas.microsoft.com/office/2006/documentManagement/types"/>
+    <ds:schemaRef ds:uri="http://purl.org/dc/elements/1.1/"/>
+    <ds:schemaRef ds:uri="037063e9-a85e-4c78-8627-f1a9315663e5"/>
+    <ds:schemaRef ds:uri="http://www.w3.org/XML/1998/namespace"/>
+    <ds:schemaRef ds:uri="http://schemas.microsoft.com/office/infopath/2007/PartnerControls"/>
+    <ds:schemaRef ds:uri="http://purl.org/dc/terms/"/>
+    <ds:schemaRef ds:uri="http://schemas.openxmlformats.org/package/2006/metadata/core-properties"/>
+    <ds:schemaRef ds:uri="027ed24f-5970-4294-be5c-0919c5aaa214"/>
+    <ds:schemaRef ds:uri="http://purl.org/dc/dcmitype/"/>
+  </ds:schemaRefs>
+</ds:datastoreItem>
 </file>
 
-<file path=customXml/itemProps1.xml><?xml version="1.0" encoding="utf-8"?>
+<file path=customXml/itemProps4.xml><?xml version="1.0" encoding="utf-8"?>
 <ds:datastoreItem xmlns:ds="http://schemas.openxmlformats.org/officeDocument/2006/customXml" ds:itemID="{B8E0886B-5092-4138-9EEE-28D3BFD5A483}">
   <ds:schemaRefs>
     <ds:schemaRef ds:uri="http://schemas.microsoft.com/office/2006/metadata/contentType"/>
@@ -12761,37 +12491,4 @@
     <ds:schemaRef ds:uri="http://schemas.microsoft.com/internal/obd"/>
   </ds:schemaRefs>
 </ds:datastoreItem>
-</file>
-
-<file path=customXml/itemProps2.xml><?xml version="1.0" encoding="utf-8"?>
-<ds:datastoreItem xmlns:ds="http://schemas.openxmlformats.org/officeDocument/2006/customXml" ds:itemID="{F47B9207-CE5C-49AD-B414-15CBFA246D65}">
-  <ds:schemaRefs>
-    <ds:schemaRef ds:uri="http://schemas.microsoft.com/office/2006/metadata/properties"/>
-    <ds:schemaRef ds:uri="http://schemas.microsoft.com/office/2006/documentManagement/types"/>
-    <ds:schemaRef ds:uri="http://purl.org/dc/elements/1.1/"/>
-    <ds:schemaRef ds:uri="037063e9-a85e-4c78-8627-f1a9315663e5"/>
-    <ds:schemaRef ds:uri="http://www.w3.org/XML/1998/namespace"/>
-    <ds:schemaRef ds:uri="http://schemas.microsoft.com/office/infopath/2007/PartnerControls"/>
-    <ds:schemaRef ds:uri="http://purl.org/dc/terms/"/>
-    <ds:schemaRef ds:uri="http://schemas.openxmlformats.org/package/2006/metadata/core-properties"/>
-    <ds:schemaRef ds:uri="027ed24f-5970-4294-be5c-0919c5aaa214"/>
-    <ds:schemaRef ds:uri="http://purl.org/dc/dcmitype/"/>
-  </ds:schemaRefs>
-</ds:datastoreItem>
-</file>
-
-<file path=customXml/itemProps3.xml><?xml version="1.0" encoding="utf-8"?>
-<ds:datastoreItem xmlns:ds="http://schemas.openxmlformats.org/officeDocument/2006/customXml" ds:itemID="{2DA015F3-603C-4688-A5F3-81D587DAB8C9}">
-  <ds:schemaRefs>
-    <ds:schemaRef ds:uri="http://schemas.microsoft.com/sharepoint/v3/contenttype/forms"/>
-  </ds:schemaRefs>
-</ds:datastoreItem>
-</file>
-
-<file path=customXml/itemProps4.xml><?xml version="1.0" encoding="utf-8"?>
-<ds:datastoreItem xmlns:ds="http://schemas.openxmlformats.org/officeDocument/2006/customXml" ds:itemID="{B9043294-8302-4947-B882-02D6486F929C}">
-  <ds:schemaRefs>
-    <ds:schemaRef ds:uri="http://schemas.microsoft.com/sharepoint/events"/>
-  </ds:schemaRefs>
-</ds:datastoreItem>
 </file>
--- a/Day3/Day3_SparkSQL.pptx
+++ b/Day3/Day3_SparkSQL.pptx
@@ -5,10 +5,10 @@
     <p:sldMasterId id="2147483684" r:id="rId5"/>
   </p:sldMasterIdLst>
   <p:notesMasterIdLst>
-    <p:notesMasterId r:id="rId27"/>
+    <p:notesMasterId r:id="rId26"/>
   </p:notesMasterIdLst>
   <p:handoutMasterIdLst>
-    <p:handoutMasterId r:id="rId28"/>
+    <p:handoutMasterId r:id="rId27"/>
   </p:handoutMasterIdLst>
   <p:sldIdLst>
     <p:sldId id="257" r:id="rId6"/>
@@ -29,9 +29,8 @@
     <p:sldId id="388" r:id="rId21"/>
     <p:sldId id="389" r:id="rId22"/>
     <p:sldId id="393" r:id="rId23"/>
-    <p:sldId id="394" r:id="rId24"/>
-    <p:sldId id="398" r:id="rId25"/>
-    <p:sldId id="397" r:id="rId26"/>
+    <p:sldId id="398" r:id="rId24"/>
+    <p:sldId id="397" r:id="rId25"/>
   </p:sldIdLst>
   <p:sldSz cx="9144000" cy="6858000" type="screen4x3"/>
   <p:notesSz cx="7053263" cy="9356725"/>
@@ -1875,7 +1874,7 @@
     </p:spTree>
     <p:extLst>
       <p:ext uri="{BB962C8B-B14F-4D97-AF65-F5344CB8AC3E}">
-        <p14:creationId xmlns:p14="http://schemas.microsoft.com/office/powerpoint/2010/main" val="1884008156"/>
+        <p14:creationId xmlns:p14="http://schemas.microsoft.com/office/powerpoint/2010/main" val="917438897"/>
       </p:ext>
     </p:extLst>
   </p:cSld>
@@ -1952,72 +1951,6 @@
 </file>
 
 <file path=ppt/notesSlides/notesSlide20.xml><?xml version="1.0" encoding="utf-8"?>
-<p:notes xmlns:a="http://schemas.openxmlformats.org/drawingml/2006/main" xmlns:r="http://schemas.openxmlformats.org/officeDocument/2006/relationships" xmlns:p="http://schemas.openxmlformats.org/presentationml/2006/main">
-  <p:cSld>
-    <p:spTree>
-      <p:nvGrpSpPr>
-        <p:cNvPr id="1" name=""/>
-        <p:cNvGrpSpPr/>
-        <p:nvPr/>
-      </p:nvGrpSpPr>
-      <p:grpSpPr>
-        <a:xfrm>
-          <a:off x="0" y="0"/>
-          <a:ext cx="0" cy="0"/>
-          <a:chOff x="0" y="0"/>
-          <a:chExt cx="0" cy="0"/>
-        </a:xfrm>
-      </p:grpSpPr>
-      <p:sp>
-        <p:nvSpPr>
-          <p:cNvPr id="2" name="Slide Image Placeholder 1"/>
-          <p:cNvSpPr>
-            <a:spLocks noGrp="1" noRot="1" noChangeAspect="1"/>
-          </p:cNvSpPr>
-          <p:nvPr>
-            <p:ph type="sldImg"/>
-          </p:nvPr>
-        </p:nvSpPr>
-        <p:spPr>
-          <a:xfrm>
-            <a:off x="1189038" y="701675"/>
-            <a:ext cx="4676775" cy="3508375"/>
-          </a:xfrm>
-        </p:spPr>
-      </p:sp>
-      <p:sp>
-        <p:nvSpPr>
-          <p:cNvPr id="3" name="Notes Placeholder 2"/>
-          <p:cNvSpPr>
-            <a:spLocks noGrp="1"/>
-          </p:cNvSpPr>
-          <p:nvPr>
-            <p:ph type="body" idx="1"/>
-          </p:nvPr>
-        </p:nvSpPr>
-        <p:spPr/>
-        <p:txBody>
-          <a:bodyPr/>
-          <a:lstStyle/>
-          <a:p>
-            <a:endParaRPr lang="en-US" dirty="0"/>
-          </a:p>
-        </p:txBody>
-      </p:sp>
-    </p:spTree>
-    <p:extLst>
-      <p:ext uri="{BB962C8B-B14F-4D97-AF65-F5344CB8AC3E}">
-        <p14:creationId xmlns:p14="http://schemas.microsoft.com/office/powerpoint/2010/main" val="917438897"/>
-      </p:ext>
-    </p:extLst>
-  </p:cSld>
-  <p:clrMapOvr>
-    <a:masterClrMapping/>
-  </p:clrMapOvr>
-</p:notes>
-</file>
-
-<file path=ppt/notesSlides/notesSlide21.xml><?xml version="1.0" encoding="utf-8"?>
 <p:notes xmlns:a="http://schemas.openxmlformats.org/drawingml/2006/main" xmlns:r="http://schemas.openxmlformats.org/officeDocument/2006/relationships" xmlns:p="http://schemas.openxmlformats.org/presentationml/2006/main">
   <p:cSld>
     <p:spTree>
@@ -7773,7 +7706,7 @@
           <a:p>
             <a:r>
               <a:rPr lang="en-US" dirty="0"/>
-              <a:t>Calculated Columns</a:t>
+              <a:t>Temporary Views</a:t>
             </a:r>
           </a:p>
         </p:txBody>
@@ -9218,7 +9151,20 @@
                 <a:latin typeface="Courier New" panose="02070309020205020404" pitchFamily="49" charset="0"/>
                 <a:cs typeface="Courier New" panose="02070309020205020404" pitchFamily="49" charset="0"/>
               </a:rPr>
-              <a:t>sql = """SELECT RegionID, RegionName, </a:t>
+              <a:t>sql = """</a:t>
+            </a:r>
+            <a:br>
+              <a:rPr lang="en-US" dirty="0">
+                <a:latin typeface="Courier New" panose="02070309020205020404" pitchFamily="49" charset="0"/>
+                <a:cs typeface="Courier New" panose="02070309020205020404" pitchFamily="49" charset="0"/>
+              </a:rPr>
+            </a:br>
+            <a:r>
+              <a:rPr lang="en-US" dirty="0">
+                <a:latin typeface="Courier New" panose="02070309020205020404" pitchFamily="49" charset="0"/>
+                <a:cs typeface="Courier New" panose="02070309020205020404" pitchFamily="49" charset="0"/>
+              </a:rPr>
+              <a:t>SELECT RegionID, RegionName, </a:t>
             </a:r>
             <a:r>
               <a:rPr lang="en-US" b="1" dirty="0">
@@ -9281,6 +9227,12 @@
               </a:rPr>
               <a:t>Territory</a:t>
             </a:r>
+            <a:br>
+              <a:rPr lang="en-US" b="1" dirty="0">
+                <a:latin typeface="Courier New" panose="02070309020205020404" pitchFamily="49" charset="0"/>
+                <a:cs typeface="Courier New" panose="02070309020205020404" pitchFamily="49" charset="0"/>
+              </a:rPr>
+            </a:br>
             <a:r>
               <a:rPr lang="en-US" dirty="0">
                 <a:latin typeface="Courier New" panose="02070309020205020404" pitchFamily="49" charset="0"/>
@@ -9366,196 +9318,6 @@
             <p:ph idx="1"/>
           </p:nvPr>
         </p:nvSpPr>
-        <p:spPr>
-          <a:xfrm>
-            <a:off x="270668" y="1123530"/>
-            <a:ext cx="8873332" cy="5229144"/>
-          </a:xfrm>
-        </p:spPr>
-        <p:txBody>
-          <a:bodyPr/>
-          <a:lstStyle/>
-          <a:p>
-            <a:r>
-              <a:rPr lang="en-US" dirty="0"/>
-              <a:t>Sometimes it is necessary to write complex functions using Python</a:t>
-            </a:r>
-          </a:p>
-          <a:p>
-            <a:r>
-              <a:rPr lang="en-US" dirty="0"/>
-              <a:t>Import the helper functions in pyspark.sql</a:t>
-            </a:r>
-          </a:p>
-          <a:p>
-            <a:pPr marL="228600" lvl="1" indent="0">
-              <a:buNone/>
-            </a:pPr>
-            <a:r>
-              <a:rPr lang="en-US" dirty="0">
-                <a:latin typeface="Courier New" panose="02070309020205020404" pitchFamily="49" charset="0"/>
-                <a:cs typeface="Courier New" panose="02070309020205020404" pitchFamily="49" charset="0"/>
-              </a:rPr>
-              <a:t>from pyspark.sql.functions import udf</a:t>
-            </a:r>
-          </a:p>
-          <a:p>
-            <a:pPr marL="228600" lvl="1" indent="0">
-              <a:buNone/>
-            </a:pPr>
-            <a:r>
-              <a:rPr lang="en-US" dirty="0">
-                <a:latin typeface="Courier New" panose="02070309020205020404" pitchFamily="49" charset="0"/>
-                <a:cs typeface="Courier New" panose="02070309020205020404" pitchFamily="49" charset="0"/>
-              </a:rPr>
-              <a:t>from pyspark.sql.types import *</a:t>
-            </a:r>
-          </a:p>
-          <a:p>
-            <a:pPr marL="228600" lvl="1" indent="0">
-              <a:buNone/>
-            </a:pPr>
-            <a:r>
-              <a:rPr lang="en-US" dirty="0">
-                <a:latin typeface="Courier New" panose="02070309020205020404" pitchFamily="49" charset="0"/>
-                <a:cs typeface="Courier New" panose="02070309020205020404" pitchFamily="49" charset="0"/>
-              </a:rPr>
-              <a:t>from pyspark.sql.functions import to_date</a:t>
-            </a:r>
-          </a:p>
-          <a:p>
-            <a:r>
-              <a:rPr lang="en-US" dirty="0"/>
-              <a:t>Write whatever custom function you need</a:t>
-            </a:r>
-            <a:br>
-              <a:rPr lang="en-US" dirty="0"/>
-            </a:br>
-            <a:r>
-              <a:rPr lang="en-US" dirty="0">
-                <a:latin typeface="Courier New" panose="02070309020205020404" pitchFamily="49" charset="0"/>
-                <a:cs typeface="Courier New" panose="02070309020205020404" pitchFamily="49" charset="0"/>
-              </a:rPr>
-              <a:t>def city(x):</a:t>
-            </a:r>
-            <a:br>
-              <a:rPr lang="en-US" dirty="0">
-                <a:latin typeface="Courier New" panose="02070309020205020404" pitchFamily="49" charset="0"/>
-                <a:cs typeface="Courier New" panose="02070309020205020404" pitchFamily="49" charset="0"/>
-              </a:rPr>
-            </a:br>
-            <a:r>
-              <a:rPr lang="en-US" dirty="0">
-                <a:latin typeface="Courier New" panose="02070309020205020404" pitchFamily="49" charset="0"/>
-                <a:cs typeface="Courier New" panose="02070309020205020404" pitchFamily="49" charset="0"/>
-              </a:rPr>
-              <a:t>    return x[:x.find(',')]</a:t>
-            </a:r>
-            <a:br>
-              <a:rPr lang="en-US" dirty="0">
-                <a:latin typeface="Courier New" panose="02070309020205020404" pitchFamily="49" charset="0"/>
-                <a:cs typeface="Courier New" panose="02070309020205020404" pitchFamily="49" charset="0"/>
-              </a:rPr>
-            </a:br>
-            <a:r>
-              <a:rPr lang="en-US" dirty="0">
-                <a:latin typeface="Courier New" panose="02070309020205020404" pitchFamily="49" charset="0"/>
-                <a:cs typeface="Courier New" panose="02070309020205020404" pitchFamily="49" charset="0"/>
-              </a:rPr>
-              <a:t>def country(x):</a:t>
-            </a:r>
-            <a:br>
-              <a:rPr lang="en-US" dirty="0">
-                <a:latin typeface="Courier New" panose="02070309020205020404" pitchFamily="49" charset="0"/>
-                <a:cs typeface="Courier New" panose="02070309020205020404" pitchFamily="49" charset="0"/>
-              </a:rPr>
-            </a:br>
-            <a:r>
-              <a:rPr lang="en-US" dirty="0">
-                <a:latin typeface="Courier New" panose="02070309020205020404" pitchFamily="49" charset="0"/>
-                <a:cs typeface="Courier New" panose="02070309020205020404" pitchFamily="49" charset="0"/>
-              </a:rPr>
-              <a:t>    return x[x.find(',') + 1 :]</a:t>
-            </a:r>
-          </a:p>
-          <a:p>
-            <a:r>
-              <a:rPr lang="en-US" dirty="0"/>
-              <a:t>Call the built-in function or use the </a:t>
-            </a:r>
-            <a:r>
-              <a:rPr lang="en-US" dirty="0">
-                <a:latin typeface="Courier New" panose="02070309020205020404" pitchFamily="49" charset="0"/>
-                <a:cs typeface="Courier New" panose="02070309020205020404" pitchFamily="49" charset="0"/>
-              </a:rPr>
-              <a:t>udf</a:t>
-            </a:r>
-            <a:r>
-              <a:rPr lang="en-US" dirty="0"/>
-              <a:t> function to wrap and call your UDF</a:t>
-            </a:r>
-            <a:br>
-              <a:rPr lang="en-US" dirty="0"/>
-            </a:br>
-            <a:r>
-              <a:rPr lang="en-US" sz="1600" dirty="0">
-                <a:latin typeface="Courier New" panose="02070309020205020404" pitchFamily="49" charset="0"/>
-                <a:cs typeface="Courier New" panose="02070309020205020404" pitchFamily="49" charset="0"/>
-              </a:rPr>
-              <a:t>df4.withColumn('City', udf(city, StringType())(df4.CityCountry)) \</a:t>
-            </a:r>
-            <a:br>
-              <a:rPr lang="en-US" sz="1600" dirty="0">
-                <a:latin typeface="Courier New" panose="02070309020205020404" pitchFamily="49" charset="0"/>
-                <a:cs typeface="Courier New" panose="02070309020205020404" pitchFamily="49" charset="0"/>
-              </a:rPr>
-            </a:br>
-            <a:r>
-              <a:rPr lang="en-US" sz="1600" dirty="0">
-                <a:latin typeface="Courier New" panose="02070309020205020404" pitchFamily="49" charset="0"/>
-                <a:cs typeface="Courier New" panose="02070309020205020404" pitchFamily="49" charset="0"/>
-              </a:rPr>
-              <a:t>.withColumn('Country', udf(country, StringType())(df4.CityCountry)) \</a:t>
-            </a:r>
-            <a:br>
-              <a:rPr lang="en-US" sz="1600" dirty="0">
-                <a:latin typeface="Courier New" panose="02070309020205020404" pitchFamily="49" charset="0"/>
-                <a:cs typeface="Courier New" panose="02070309020205020404" pitchFamily="49" charset="0"/>
-              </a:rPr>
-            </a:br>
-            <a:r>
-              <a:rPr lang="en-US" sz="1600" dirty="0">
-                <a:latin typeface="Courier New" panose="02070309020205020404" pitchFamily="49" charset="0"/>
-                <a:cs typeface="Courier New" panose="02070309020205020404" pitchFamily="49" charset="0"/>
-              </a:rPr>
-              <a:t>.withColumn('Date', to_date(df4.Date, 'dd-MMM-yy')) \</a:t>
-            </a:r>
-            <a:br>
-              <a:rPr lang="en-US" sz="1600" dirty="0">
-                <a:latin typeface="Courier New" panose="02070309020205020404" pitchFamily="49" charset="0"/>
-                <a:cs typeface="Courier New" panose="02070309020205020404" pitchFamily="49" charset="0"/>
-              </a:rPr>
-            </a:br>
-            <a:r>
-              <a:rPr lang="en-US" sz="1600" dirty="0">
-                <a:latin typeface="Courier New" panose="02070309020205020404" pitchFamily="49" charset="0"/>
-                <a:cs typeface="Courier New" panose="02070309020205020404" pitchFamily="49" charset="0"/>
-              </a:rPr>
-              <a:t>.drop(df4.CityCountry)</a:t>
-            </a:r>
-          </a:p>
-        </p:txBody>
-      </p:sp>
-      <p:sp>
-        <p:nvSpPr>
-          <p:cNvPr id="3" name="Title 2"/>
-          <p:cNvSpPr>
-            <a:spLocks noGrp="1"/>
-          </p:cNvSpPr>
-          <p:nvPr>
-            <p:ph type="title"/>
-          </p:nvPr>
-        </p:nvSpPr>
         <p:spPr/>
         <p:txBody>
           <a:bodyPr/>
@@ -9563,7 +9325,97 @@
           <a:p>
             <a:r>
               <a:rPr lang="en-US" dirty="0"/>
-              <a:t>User Defined Functions</a:t>
+              <a:t>Ultimately, Spark is just a processing engine that can read data from almost any source</a:t>
+            </a:r>
+          </a:p>
+          <a:p>
+            <a:pPr lvl="1"/>
+            <a:r>
+              <a:rPr lang="en-US" dirty="0"/>
+              <a:t>Local files would be read in and distributed into the cluster</a:t>
+            </a:r>
+          </a:p>
+          <a:p>
+            <a:pPr lvl="1"/>
+            <a:r>
+              <a:rPr lang="en-US" dirty="0"/>
+              <a:t>HDFS files are already in a cluster and could be parallel loaded into Spark nodes simultaneously</a:t>
+            </a:r>
+          </a:p>
+          <a:p>
+            <a:pPr lvl="1"/>
+            <a:r>
+              <a:rPr lang="en-US" dirty="0"/>
+              <a:t>Data in a SQL table would be similar to a local file and would be fed into the cluster as it retrieves it from the SQL server</a:t>
+            </a:r>
+          </a:p>
+          <a:p>
+            <a:pPr lvl="1"/>
+            <a:r>
+              <a:rPr lang="en-US" dirty="0"/>
+              <a:t>Data in a NoSQL cluster is already partitioned in a cluster and like HDFS could be parallel loaded</a:t>
+            </a:r>
+          </a:p>
+          <a:p>
+            <a:r>
+              <a:rPr lang="en-US" dirty="0"/>
+              <a:t>You will get the fastest load performance for both reading and writing when the data is already stored in a clustered environment</a:t>
+            </a:r>
+          </a:p>
+          <a:p>
+            <a:r>
+              <a:rPr lang="en-US" dirty="0"/>
+              <a:t>There are many built-in data sources</a:t>
+            </a:r>
+          </a:p>
+          <a:p>
+            <a:pPr lvl="1"/>
+            <a:r>
+              <a:rPr lang="en-US" dirty="0"/>
+              <a:t>JSON</a:t>
+            </a:r>
+          </a:p>
+          <a:p>
+            <a:pPr lvl="1"/>
+            <a:r>
+              <a:rPr lang="en-US" dirty="0"/>
+              <a:t>CSV</a:t>
+            </a:r>
+          </a:p>
+          <a:p>
+            <a:pPr lvl="1"/>
+            <a:r>
+              <a:rPr lang="en-US" dirty="0"/>
+              <a:t>Parquet</a:t>
+            </a:r>
+          </a:p>
+          <a:p>
+            <a:pPr lvl="1"/>
+            <a:r>
+              <a:rPr lang="en-US" dirty="0"/>
+              <a:t>ORC </a:t>
+            </a:r>
+          </a:p>
+        </p:txBody>
+      </p:sp>
+      <p:sp>
+        <p:nvSpPr>
+          <p:cNvPr id="3" name="Title 2"/>
+          <p:cNvSpPr>
+            <a:spLocks noGrp="1"/>
+          </p:cNvSpPr>
+          <p:nvPr>
+            <p:ph type="title"/>
+          </p:nvPr>
+        </p:nvSpPr>
+        <p:spPr/>
+        <p:txBody>
+          <a:bodyPr/>
+          <a:lstStyle/>
+          <a:p>
+            <a:r>
+              <a:rPr lang="en-US" dirty="0"/>
+              <a:t>Closing Thoughts</a:t>
             </a:r>
           </a:p>
         </p:txBody>
@@ -9571,7 +9423,7 @@
     </p:spTree>
     <p:extLst>
       <p:ext uri="{BB962C8B-B14F-4D97-AF65-F5344CB8AC3E}">
-        <p14:creationId xmlns:p14="http://schemas.microsoft.com/office/powerpoint/2010/main" val="3221363704"/>
+        <p14:creationId xmlns:p14="http://schemas.microsoft.com/office/powerpoint/2010/main" val="1022529668"/>
       </p:ext>
     </p:extLst>
   </p:cSld>
@@ -9680,148 +9532,6 @@
 </file>
 
 <file path=ppt/slides/slide20.xml><?xml version="1.0" encoding="utf-8"?>
-<p:sld xmlns:a="http://schemas.openxmlformats.org/drawingml/2006/main" xmlns:r="http://schemas.openxmlformats.org/officeDocument/2006/relationships" xmlns:p="http://schemas.openxmlformats.org/presentationml/2006/main">
-  <p:cSld>
-    <p:spTree>
-      <p:nvGrpSpPr>
-        <p:cNvPr id="1" name=""/>
-        <p:cNvGrpSpPr/>
-        <p:nvPr/>
-      </p:nvGrpSpPr>
-      <p:grpSpPr>
-        <a:xfrm>
-          <a:off x="0" y="0"/>
-          <a:ext cx="0" cy="0"/>
-          <a:chOff x="0" y="0"/>
-          <a:chExt cx="0" cy="0"/>
-        </a:xfrm>
-      </p:grpSpPr>
-      <p:sp>
-        <p:nvSpPr>
-          <p:cNvPr id="2" name="Content Placeholder 1"/>
-          <p:cNvSpPr>
-            <a:spLocks noGrp="1"/>
-          </p:cNvSpPr>
-          <p:nvPr>
-            <p:ph idx="1"/>
-          </p:nvPr>
-        </p:nvSpPr>
-        <p:spPr/>
-        <p:txBody>
-          <a:bodyPr/>
-          <a:lstStyle/>
-          <a:p>
-            <a:r>
-              <a:rPr lang="en-US" dirty="0"/>
-              <a:t>Ultimately, Spark is just a processing engine that can read data from almost any source</a:t>
-            </a:r>
-          </a:p>
-          <a:p>
-            <a:pPr lvl="1"/>
-            <a:r>
-              <a:rPr lang="en-US" dirty="0"/>
-              <a:t>Local files would be read in and distributed into the cluster</a:t>
-            </a:r>
-          </a:p>
-          <a:p>
-            <a:pPr lvl="1"/>
-            <a:r>
-              <a:rPr lang="en-US" dirty="0"/>
-              <a:t>HDFS files are already in a cluster and could be parallel loaded into Spark nodes simultaneously</a:t>
-            </a:r>
-          </a:p>
-          <a:p>
-            <a:pPr lvl="1"/>
-            <a:r>
-              <a:rPr lang="en-US" dirty="0"/>
-              <a:t>Data in a SQL table would be similar to a local file and would be fed into the cluster as it retrieves it from the SQL server</a:t>
-            </a:r>
-          </a:p>
-          <a:p>
-            <a:pPr lvl="1"/>
-            <a:r>
-              <a:rPr lang="en-US" dirty="0"/>
-              <a:t>Data in a NoSQL cluster is already partitioned in a cluster and like HDFS could be parallel loaded</a:t>
-            </a:r>
-          </a:p>
-          <a:p>
-            <a:r>
-              <a:rPr lang="en-US" dirty="0"/>
-              <a:t>You will get the fastest load performance for both reading and writing when the data is already stored in a clustered environment</a:t>
-            </a:r>
-          </a:p>
-          <a:p>
-            <a:r>
-              <a:rPr lang="en-US" dirty="0"/>
-              <a:t>There are many built-in data sources</a:t>
-            </a:r>
-          </a:p>
-          <a:p>
-            <a:pPr lvl="1"/>
-            <a:r>
-              <a:rPr lang="en-US" dirty="0"/>
-              <a:t>JSON</a:t>
-            </a:r>
-          </a:p>
-          <a:p>
-            <a:pPr lvl="1"/>
-            <a:r>
-              <a:rPr lang="en-US" dirty="0"/>
-              <a:t>CSV</a:t>
-            </a:r>
-          </a:p>
-          <a:p>
-            <a:pPr lvl="1"/>
-            <a:r>
-              <a:rPr lang="en-US" dirty="0"/>
-              <a:t>Parquet</a:t>
-            </a:r>
-          </a:p>
-          <a:p>
-            <a:pPr lvl="1"/>
-            <a:r>
-              <a:rPr lang="en-US" dirty="0"/>
-              <a:t>ORC </a:t>
-            </a:r>
-          </a:p>
-        </p:txBody>
-      </p:sp>
-      <p:sp>
-        <p:nvSpPr>
-          <p:cNvPr id="3" name="Title 2"/>
-          <p:cNvSpPr>
-            <a:spLocks noGrp="1"/>
-          </p:cNvSpPr>
-          <p:nvPr>
-            <p:ph type="title"/>
-          </p:nvPr>
-        </p:nvSpPr>
-        <p:spPr/>
-        <p:txBody>
-          <a:bodyPr/>
-          <a:lstStyle/>
-          <a:p>
-            <a:r>
-              <a:rPr lang="en-US" dirty="0"/>
-              <a:t>Closing Thoughts</a:t>
-            </a:r>
-          </a:p>
-        </p:txBody>
-      </p:sp>
-    </p:spTree>
-    <p:extLst>
-      <p:ext uri="{BB962C8B-B14F-4D97-AF65-F5344CB8AC3E}">
-        <p14:creationId xmlns:p14="http://schemas.microsoft.com/office/powerpoint/2010/main" val="1022529668"/>
-      </p:ext>
-    </p:extLst>
-  </p:cSld>
-  <p:clrMapOvr>
-    <a:masterClrMapping/>
-  </p:clrMapOvr>
-</p:sld>
-</file>
-
-<file path=ppt/slides/slide21.xml><?xml version="1.0" encoding="utf-8"?>
 <p:sld xmlns:a="http://schemas.openxmlformats.org/drawingml/2006/main" xmlns:r="http://schemas.openxmlformats.org/officeDocument/2006/relationships" xmlns:p="http://schemas.openxmlformats.org/presentationml/2006/main">
   <p:cSld>
     <p:spTree>
@@ -12253,29 +11963,6 @@
 </file>
 
 <file path=customXml/item2.xml><?xml version="1.0" encoding="utf-8"?>
-<?mso-contentType ?>
-<FormTemplates xmlns="http://schemas.microsoft.com/sharepoint/v3/contenttype/forms">
-  <Display>DocumentLibraryForm</Display>
-  <Edit>DocumentLibraryForm</Edit>
-  <New>DocumentLibraryForm</New>
-</FormTemplates>
-</file>
-
-<file path=customXml/item3.xml><?xml version="1.0" encoding="utf-8"?>
-<p:properties xmlns:p="http://schemas.microsoft.com/office/2006/metadata/properties" xmlns:xsi="http://www.w3.org/2001/XMLSchema-instance" xmlns:pc="http://schemas.microsoft.com/office/infopath/2007/PartnerControls">
-  <documentManagement>
-    <_dlc_DocId xmlns="037063e9-a85e-4c78-8627-f1a9315663e5">EVEA5JW6U4JV-6-9770</_dlc_DocId>
-    <_dlc_DocIdUrl xmlns="037063e9-a85e-4c78-8627-f1a9315663e5">
-      <Url>https://portal.roitraining.com/Courses/_layouts/DocIdRedir.aspx?ID=EVEA5JW6U4JV-6-9770</Url>
-      <Description>EVEA5JW6U4JV-6-9770</Description>
-    </_dlc_DocIdUrl>
-    <Date_x0020_last_x0020_used xmlns="027ed24f-5970-4294-be5c-0919c5aaa214" xsi:nil="true"/>
-    <Customization_x0020_Information xmlns="027ed24f-5970-4294-be5c-0919c5aaa214" xsi:nil="true"/>
-  </documentManagement>
-</p:properties>
-</file>
-
-<file path=customXml/item4.xml><?xml version="1.0" encoding="utf-8"?>
 <ct:contentTypeSchema xmlns:ct="http://schemas.microsoft.com/office/2006/metadata/contentType" xmlns:ma="http://schemas.microsoft.com/office/2006/metadata/properties/metaAttributes" ct:_="" ma:_="" ma:contentTypeName="Document" ma:contentTypeID="0x0101006B08A054FD435346B287BB258D6D8C2A" ma:contentTypeVersion="2" ma:contentTypeDescription="Create a new document." ma:contentTypeScope="" ma:versionID="6146b90b4382322d8952632f355192b7">
   <xsd:schema xmlns:xsd="http://www.w3.org/2001/XMLSchema" xmlns:xs="http://www.w3.org/2001/XMLSchema" xmlns:p="http://schemas.microsoft.com/office/2006/metadata/properties" xmlns:ns2="027ed24f-5970-4294-be5c-0919c5aaa214" xmlns:ns3="037063e9-a85e-4c78-8627-f1a9315663e5" targetNamespace="http://schemas.microsoft.com/office/2006/metadata/properties" ma:root="true" ma:fieldsID="b5d91f802dafd2e22aeea528efbe2d3e" ns2:_="" ns3:_="">
     <xsd:import namespace="027ed24f-5970-4294-be5c-0919c5aaa214"/>
@@ -12441,6 +12128,29 @@
 </ct:contentTypeSchema>
 </file>
 
+<file path=customXml/item3.xml><?xml version="1.0" encoding="utf-8"?>
+<p:properties xmlns:p="http://schemas.microsoft.com/office/2006/metadata/properties" xmlns:xsi="http://www.w3.org/2001/XMLSchema-instance" xmlns:pc="http://schemas.microsoft.com/office/infopath/2007/PartnerControls">
+  <documentManagement>
+    <_dlc_DocId xmlns="037063e9-a85e-4c78-8627-f1a9315663e5">EVEA5JW6U4JV-6-9770</_dlc_DocId>
+    <_dlc_DocIdUrl xmlns="037063e9-a85e-4c78-8627-f1a9315663e5">
+      <Url>https://portal.roitraining.com/Courses/_layouts/DocIdRedir.aspx?ID=EVEA5JW6U4JV-6-9770</Url>
+      <Description>EVEA5JW6U4JV-6-9770</Description>
+    </_dlc_DocIdUrl>
+    <Date_x0020_last_x0020_used xmlns="027ed24f-5970-4294-be5c-0919c5aaa214" xsi:nil="true"/>
+    <Customization_x0020_Information xmlns="027ed24f-5970-4294-be5c-0919c5aaa214" xsi:nil="true"/>
+  </documentManagement>
+</p:properties>
+</file>
+
+<file path=customXml/item4.xml><?xml version="1.0" encoding="utf-8"?>
+<?mso-contentType ?>
+<FormTemplates xmlns="http://schemas.microsoft.com/sharepoint/v3/contenttype/forms">
+  <Display>DocumentLibraryForm</Display>
+  <Edit>DocumentLibraryForm</Edit>
+  <New>DocumentLibraryForm</New>
+</FormTemplates>
+</file>
+
 <file path=customXml/itemProps1.xml><?xml version="1.0" encoding="utf-8"?>
 <ds:datastoreItem xmlns:ds="http://schemas.openxmlformats.org/officeDocument/2006/customXml" ds:itemID="{B9043294-8302-4947-B882-02D6486F929C}">
   <ds:schemaRefs>
@@ -12450,9 +12160,20 @@
 </file>
 
 <file path=customXml/itemProps2.xml><?xml version="1.0" encoding="utf-8"?>
-<ds:datastoreItem xmlns:ds="http://schemas.openxmlformats.org/officeDocument/2006/customXml" ds:itemID="{2DA015F3-603C-4688-A5F3-81D587DAB8C9}">
+<ds:datastoreItem xmlns:ds="http://schemas.openxmlformats.org/officeDocument/2006/customXml" ds:itemID="{B8E0886B-5092-4138-9EEE-28D3BFD5A483}">
   <ds:schemaRefs>
-    <ds:schemaRef ds:uri="http://schemas.microsoft.com/sharepoint/v3/contenttype/forms"/>
+    <ds:schemaRef ds:uri="http://schemas.microsoft.com/office/2006/metadata/contentType"/>
+    <ds:schemaRef ds:uri="http://schemas.microsoft.com/office/2006/metadata/properties/metaAttributes"/>
+    <ds:schemaRef ds:uri="http://www.w3.org/2001/XMLSchema"/>
+    <ds:schemaRef ds:uri="http://schemas.microsoft.com/office/2006/metadata/properties"/>
+    <ds:schemaRef ds:uri="027ed24f-5970-4294-be5c-0919c5aaa214"/>
+    <ds:schemaRef ds:uri="037063e9-a85e-4c78-8627-f1a9315663e5"/>
+    <ds:schemaRef ds:uri="http://schemas.microsoft.com/office/2006/documentManagement/types"/>
+    <ds:schemaRef ds:uri="http://schemas.microsoft.com/office/infopath/2007/PartnerControls"/>
+    <ds:schemaRef ds:uri="http://schemas.openxmlformats.org/package/2006/metadata/core-properties"/>
+    <ds:schemaRef ds:uri="http://purl.org/dc/elements/1.1/"/>
+    <ds:schemaRef ds:uri="http://purl.org/dc/terms/"/>
+    <ds:schemaRef ds:uri="http://schemas.microsoft.com/internal/obd"/>
   </ds:schemaRefs>
 </ds:datastoreItem>
 </file>
@@ -12475,20 +12196,9 @@
 </file>
 
 <file path=customXml/itemProps4.xml><?xml version="1.0" encoding="utf-8"?>
-<ds:datastoreItem xmlns:ds="http://schemas.openxmlformats.org/officeDocument/2006/customXml" ds:itemID="{B8E0886B-5092-4138-9EEE-28D3BFD5A483}">
+<ds:datastoreItem xmlns:ds="http://schemas.openxmlformats.org/officeDocument/2006/customXml" ds:itemID="{2DA015F3-603C-4688-A5F3-81D587DAB8C9}">
   <ds:schemaRefs>
-    <ds:schemaRef ds:uri="http://schemas.microsoft.com/office/2006/metadata/contentType"/>
-    <ds:schemaRef ds:uri="http://schemas.microsoft.com/office/2006/metadata/properties/metaAttributes"/>
-    <ds:schemaRef ds:uri="http://www.w3.org/2001/XMLSchema"/>
-    <ds:schemaRef ds:uri="http://schemas.microsoft.com/office/2006/metadata/properties"/>
-    <ds:schemaRef ds:uri="027ed24f-5970-4294-be5c-0919c5aaa214"/>
-    <ds:schemaRef ds:uri="037063e9-a85e-4c78-8627-f1a9315663e5"/>
-    <ds:schemaRef ds:uri="http://schemas.microsoft.com/office/2006/documentManagement/types"/>
-    <ds:schemaRef ds:uri="http://schemas.microsoft.com/office/infopath/2007/PartnerControls"/>
-    <ds:schemaRef ds:uri="http://schemas.openxmlformats.org/package/2006/metadata/core-properties"/>
-    <ds:schemaRef ds:uri="http://purl.org/dc/elements/1.1/"/>
-    <ds:schemaRef ds:uri="http://purl.org/dc/terms/"/>
-    <ds:schemaRef ds:uri="http://schemas.microsoft.com/internal/obd"/>
+    <ds:schemaRef ds:uri="http://schemas.microsoft.com/sharepoint/v3/contenttype/forms"/>
   </ds:schemaRefs>
 </ds:datastoreItem>
 </file>
--- a/Day3/Day3_SparkSQL.pptx
+++ b/Day3/Day3_SparkSQL.pptx
@@ -348,7 +348,7 @@
                 <a:ea typeface="Tahoma" pitchFamily="34" charset="0"/>
                 <a:cs typeface="Tahoma" pitchFamily="34" charset="0"/>
               </a:rPr>
-              <a:t>Chapter 4</a:t>
+              <a:t>Chapter 3</a:t>
             </a:r>
           </a:p>
         </p:txBody>
@@ -738,7 +738,7 @@
                 </a:solidFill>
                 <a:latin typeface="Tahoma" pitchFamily="34" charset="0"/>
               </a:rPr>
-              <a:t>Chapter 4-</a:t>
+              <a:t>Chapter 3-</a:t>
             </a:r>
             <a:fld id="{9C58707A-6F60-4D20-8A8B-4F90B88EA4F7}" type="slidenum">
               <a:rPr lang="en-US" sz="1200" smtClean="0">
@@ -6682,7 +6682,7 @@
                 </a:solidFill>
                 <a:latin typeface="Tahoma" charset="0"/>
               </a:rPr>
-              <a:t>© 2019</a:t>
+              <a:t>© 2020</a:t>
             </a:r>
             <a:r>
               <a:rPr lang="en-US" sz="700" b="0" baseline="0" dirty="0">
@@ -11918,51 +11918,28 @@
 
 <file path=customXml/item1.xml><?xml version="1.0" encoding="utf-8"?>
 <?mso-contentType ?>
-<spe:Receivers xmlns:spe="http://schemas.microsoft.com/sharepoint/events">
-  <Receiver>
-    <Name>Document ID Generator</Name>
-    <Synchronization>Synchronous</Synchronization>
-    <Type>10001</Type>
-    <SequenceNumber>1000</SequenceNumber>
-    <Assembly>Microsoft.Office.DocumentManagement, Version=14.0.0.0, Culture=neutral, PublicKeyToken=71e9bce111e9429c</Assembly>
-    <Class>Microsoft.Office.DocumentManagement.Internal.DocIdHandler</Class>
-    <Data/>
-    <Filter/>
-  </Receiver>
-  <Receiver>
-    <Name>Document ID Generator</Name>
-    <Synchronization>Synchronous</Synchronization>
-    <Type>10002</Type>
-    <SequenceNumber>1001</SequenceNumber>
-    <Assembly>Microsoft.Office.DocumentManagement, Version=14.0.0.0, Culture=neutral, PublicKeyToken=71e9bce111e9429c</Assembly>
-    <Class>Microsoft.Office.DocumentManagement.Internal.DocIdHandler</Class>
-    <Data/>
-    <Filter/>
-  </Receiver>
-  <Receiver>
-    <Name>Document ID Generator</Name>
-    <Synchronization>Synchronous</Synchronization>
-    <Type>10004</Type>
-    <SequenceNumber>1002</SequenceNumber>
-    <Assembly>Microsoft.Office.DocumentManagement, Version=14.0.0.0, Culture=neutral, PublicKeyToken=71e9bce111e9429c</Assembly>
-    <Class>Microsoft.Office.DocumentManagement.Internal.DocIdHandler</Class>
-    <Data/>
-    <Filter/>
-  </Receiver>
-  <Receiver>
-    <Name>Document ID Generator</Name>
-    <Synchronization>Synchronous</Synchronization>
-    <Type>10006</Type>
-    <SequenceNumber>1003</SequenceNumber>
-    <Assembly>Microsoft.Office.DocumentManagement, Version=14.0.0.0, Culture=neutral, PublicKeyToken=71e9bce111e9429c</Assembly>
-    <Class>Microsoft.Office.DocumentManagement.Internal.DocIdHandler</Class>
-    <Data/>
-    <Filter/>
-  </Receiver>
-</spe:Receivers>
+<FormTemplates xmlns="http://schemas.microsoft.com/sharepoint/v3/contenttype/forms">
+  <Display>DocumentLibraryForm</Display>
+  <Edit>DocumentLibraryForm</Edit>
+  <New>DocumentLibraryForm</New>
+</FormTemplates>
 </file>
 
 <file path=customXml/item2.xml><?xml version="1.0" encoding="utf-8"?>
+<p:properties xmlns:p="http://schemas.microsoft.com/office/2006/metadata/properties" xmlns:xsi="http://www.w3.org/2001/XMLSchema-instance" xmlns:pc="http://schemas.microsoft.com/office/infopath/2007/PartnerControls">
+  <documentManagement>
+    <_dlc_DocId xmlns="037063e9-a85e-4c78-8627-f1a9315663e5">EVEA5JW6U4JV-6-9770</_dlc_DocId>
+    <_dlc_DocIdUrl xmlns="037063e9-a85e-4c78-8627-f1a9315663e5">
+      <Url>https://portal.roitraining.com/Courses/_layouts/DocIdRedir.aspx?ID=EVEA5JW6U4JV-6-9770</Url>
+      <Description>EVEA5JW6U4JV-6-9770</Description>
+    </_dlc_DocIdUrl>
+    <Date_x0020_last_x0020_used xmlns="027ed24f-5970-4294-be5c-0919c5aaa214" xsi:nil="true"/>
+    <Customization_x0020_Information xmlns="027ed24f-5970-4294-be5c-0919c5aaa214" xsi:nil="true"/>
+  </documentManagement>
+</p:properties>
+</file>
+
+<file path=customXml/item3.xml><?xml version="1.0" encoding="utf-8"?>
 <ct:contentTypeSchema xmlns:ct="http://schemas.microsoft.com/office/2006/metadata/contentType" xmlns:ma="http://schemas.microsoft.com/office/2006/metadata/properties/metaAttributes" ct:_="" ma:_="" ma:contentTypeName="Document" ma:contentTypeID="0x0101006B08A054FD435346B287BB258D6D8C2A" ma:contentTypeVersion="2" ma:contentTypeDescription="Create a new document." ma:contentTypeScope="" ma:versionID="6146b90b4382322d8952632f355192b7">
   <xsd:schema xmlns:xsd="http://www.w3.org/2001/XMLSchema" xmlns:xs="http://www.w3.org/2001/XMLSchema" xmlns:p="http://schemas.microsoft.com/office/2006/metadata/properties" xmlns:ns2="027ed24f-5970-4294-be5c-0919c5aaa214" xmlns:ns3="037063e9-a85e-4c78-8627-f1a9315663e5" targetNamespace="http://schemas.microsoft.com/office/2006/metadata/properties" ma:root="true" ma:fieldsID="b5d91f802dafd2e22aeea528efbe2d3e" ns2:_="" ns3:_="">
     <xsd:import namespace="027ed24f-5970-4294-be5c-0919c5aaa214"/>
@@ -12128,38 +12105,78 @@
 </ct:contentTypeSchema>
 </file>
 
-<file path=customXml/item3.xml><?xml version="1.0" encoding="utf-8"?>
-<p:properties xmlns:p="http://schemas.microsoft.com/office/2006/metadata/properties" xmlns:xsi="http://www.w3.org/2001/XMLSchema-instance" xmlns:pc="http://schemas.microsoft.com/office/infopath/2007/PartnerControls">
-  <documentManagement>
-    <_dlc_DocId xmlns="037063e9-a85e-4c78-8627-f1a9315663e5">EVEA5JW6U4JV-6-9770</_dlc_DocId>
-    <_dlc_DocIdUrl xmlns="037063e9-a85e-4c78-8627-f1a9315663e5">
-      <Url>https://portal.roitraining.com/Courses/_layouts/DocIdRedir.aspx?ID=EVEA5JW6U4JV-6-9770</Url>
-      <Description>EVEA5JW6U4JV-6-9770</Description>
-    </_dlc_DocIdUrl>
-    <Date_x0020_last_x0020_used xmlns="027ed24f-5970-4294-be5c-0919c5aaa214" xsi:nil="true"/>
-    <Customization_x0020_Information xmlns="027ed24f-5970-4294-be5c-0919c5aaa214" xsi:nil="true"/>
-  </documentManagement>
-</p:properties>
-</file>
-
 <file path=customXml/item4.xml><?xml version="1.0" encoding="utf-8"?>
 <?mso-contentType ?>
-<FormTemplates xmlns="http://schemas.microsoft.com/sharepoint/v3/contenttype/forms">
-  <Display>DocumentLibraryForm</Display>
-  <Edit>DocumentLibraryForm</Edit>
-  <New>DocumentLibraryForm</New>
-</FormTemplates>
+<spe:Receivers xmlns:spe="http://schemas.microsoft.com/sharepoint/events">
+  <Receiver>
+    <Name>Document ID Generator</Name>
+    <Synchronization>Synchronous</Synchronization>
+    <Type>10001</Type>
+    <SequenceNumber>1000</SequenceNumber>
+    <Assembly>Microsoft.Office.DocumentManagement, Version=14.0.0.0, Culture=neutral, PublicKeyToken=71e9bce111e9429c</Assembly>
+    <Class>Microsoft.Office.DocumentManagement.Internal.DocIdHandler</Class>
+    <Data/>
+    <Filter/>
+  </Receiver>
+  <Receiver>
+    <Name>Document ID Generator</Name>
+    <Synchronization>Synchronous</Synchronization>
+    <Type>10002</Type>
+    <SequenceNumber>1001</SequenceNumber>
+    <Assembly>Microsoft.Office.DocumentManagement, Version=14.0.0.0, Culture=neutral, PublicKeyToken=71e9bce111e9429c</Assembly>
+    <Class>Microsoft.Office.DocumentManagement.Internal.DocIdHandler</Class>
+    <Data/>
+    <Filter/>
+  </Receiver>
+  <Receiver>
+    <Name>Document ID Generator</Name>
+    <Synchronization>Synchronous</Synchronization>
+    <Type>10004</Type>
+    <SequenceNumber>1002</SequenceNumber>
+    <Assembly>Microsoft.Office.DocumentManagement, Version=14.0.0.0, Culture=neutral, PublicKeyToken=71e9bce111e9429c</Assembly>
+    <Class>Microsoft.Office.DocumentManagement.Internal.DocIdHandler</Class>
+    <Data/>
+    <Filter/>
+  </Receiver>
+  <Receiver>
+    <Name>Document ID Generator</Name>
+    <Synchronization>Synchronous</Synchronization>
+    <Type>10006</Type>
+    <SequenceNumber>1003</SequenceNumber>
+    <Assembly>Microsoft.Office.DocumentManagement, Version=14.0.0.0, Culture=neutral, PublicKeyToken=71e9bce111e9429c</Assembly>
+    <Class>Microsoft.Office.DocumentManagement.Internal.DocIdHandler</Class>
+    <Data/>
+    <Filter/>
+  </Receiver>
+</spe:Receivers>
 </file>
 
 <file path=customXml/itemProps1.xml><?xml version="1.0" encoding="utf-8"?>
-<ds:datastoreItem xmlns:ds="http://schemas.openxmlformats.org/officeDocument/2006/customXml" ds:itemID="{B9043294-8302-4947-B882-02D6486F929C}">
+<ds:datastoreItem xmlns:ds="http://schemas.openxmlformats.org/officeDocument/2006/customXml" ds:itemID="{2DA015F3-603C-4688-A5F3-81D587DAB8C9}">
   <ds:schemaRefs>
-    <ds:schemaRef ds:uri="http://schemas.microsoft.com/sharepoint/events"/>
+    <ds:schemaRef ds:uri="http://schemas.microsoft.com/sharepoint/v3/contenttype/forms"/>
   </ds:schemaRefs>
 </ds:datastoreItem>
 </file>
 
 <file path=customXml/itemProps2.xml><?xml version="1.0" encoding="utf-8"?>
+<ds:datastoreItem xmlns:ds="http://schemas.openxmlformats.org/officeDocument/2006/customXml" ds:itemID="{F47B9207-CE5C-49AD-B414-15CBFA246D65}">
+  <ds:schemaRefs>
+    <ds:schemaRef ds:uri="http://schemas.microsoft.com/office/2006/metadata/properties"/>
+    <ds:schemaRef ds:uri="http://schemas.microsoft.com/office/2006/documentManagement/types"/>
+    <ds:schemaRef ds:uri="http://purl.org/dc/elements/1.1/"/>
+    <ds:schemaRef ds:uri="037063e9-a85e-4c78-8627-f1a9315663e5"/>
+    <ds:schemaRef ds:uri="http://www.w3.org/XML/1998/namespace"/>
+    <ds:schemaRef ds:uri="http://schemas.microsoft.com/office/infopath/2007/PartnerControls"/>
+    <ds:schemaRef ds:uri="http://purl.org/dc/terms/"/>
+    <ds:schemaRef ds:uri="http://schemas.openxmlformats.org/package/2006/metadata/core-properties"/>
+    <ds:schemaRef ds:uri="027ed24f-5970-4294-be5c-0919c5aaa214"/>
+    <ds:schemaRef ds:uri="http://purl.org/dc/dcmitype/"/>
+  </ds:schemaRefs>
+</ds:datastoreItem>
+</file>
+
+<file path=customXml/itemProps3.xml><?xml version="1.0" encoding="utf-8"?>
 <ds:datastoreItem xmlns:ds="http://schemas.openxmlformats.org/officeDocument/2006/customXml" ds:itemID="{B8E0886B-5092-4138-9EEE-28D3BFD5A483}">
   <ds:schemaRefs>
     <ds:schemaRef ds:uri="http://schemas.microsoft.com/office/2006/metadata/contentType"/>
@@ -12178,27 +12195,10 @@
 </ds:datastoreItem>
 </file>
 
-<file path=customXml/itemProps3.xml><?xml version="1.0" encoding="utf-8"?>
-<ds:datastoreItem xmlns:ds="http://schemas.openxmlformats.org/officeDocument/2006/customXml" ds:itemID="{F47B9207-CE5C-49AD-B414-15CBFA246D65}">
+<file path=customXml/itemProps4.xml><?xml version="1.0" encoding="utf-8"?>
+<ds:datastoreItem xmlns:ds="http://schemas.openxmlformats.org/officeDocument/2006/customXml" ds:itemID="{B9043294-8302-4947-B882-02D6486F929C}">
   <ds:schemaRefs>
-    <ds:schemaRef ds:uri="http://schemas.microsoft.com/office/2006/metadata/properties"/>
-    <ds:schemaRef ds:uri="http://schemas.microsoft.com/office/2006/documentManagement/types"/>
-    <ds:schemaRef ds:uri="http://purl.org/dc/elements/1.1/"/>
-    <ds:schemaRef ds:uri="037063e9-a85e-4c78-8627-f1a9315663e5"/>
-    <ds:schemaRef ds:uri="http://www.w3.org/XML/1998/namespace"/>
-    <ds:schemaRef ds:uri="http://schemas.microsoft.com/office/infopath/2007/PartnerControls"/>
-    <ds:schemaRef ds:uri="http://purl.org/dc/terms/"/>
-    <ds:schemaRef ds:uri="http://schemas.openxmlformats.org/package/2006/metadata/core-properties"/>
-    <ds:schemaRef ds:uri="027ed24f-5970-4294-be5c-0919c5aaa214"/>
-    <ds:schemaRef ds:uri="http://purl.org/dc/dcmitype/"/>
-  </ds:schemaRefs>
-</ds:datastoreItem>
-</file>
-
-<file path=customXml/itemProps4.xml><?xml version="1.0" encoding="utf-8"?>
-<ds:datastoreItem xmlns:ds="http://schemas.openxmlformats.org/officeDocument/2006/customXml" ds:itemID="{2DA015F3-603C-4688-A5F3-81D587DAB8C9}">
-  <ds:schemaRefs>
-    <ds:schemaRef ds:uri="http://schemas.microsoft.com/sharepoint/v3/contenttype/forms"/>
+    <ds:schemaRef ds:uri="http://schemas.microsoft.com/sharepoint/events"/>
   </ds:schemaRefs>
 </ds:datastoreItem>
 </file>